--- a/doc/ppt_new/old/MASTER REKAYASA PERANGKAT LUNAK Ref.01.pptx
+++ b/doc/ppt_new/old/MASTER REKAYASA PERANGKAT LUNAK Ref.01.pptx
@@ -190,7 +190,8 @@
           <a:p>
             <a:fld id="{336A28A0-E963-4FEC-BBB9-01A6316123CB}" type="datetimeFigureOut">
               <a:rPr lang="en-US" smtClean="0"/>
-              <a:t>6/21/2013</a:t>
+              <a:pPr/>
+              <a:t>6/25/2013</a:t>
             </a:fld>
             <a:endParaRPr lang="en-US"/>
           </a:p>
@@ -232,6 +233,7 @@
           <a:p>
             <a:fld id="{FD5A9A7E-542D-459B-9ECB-945F66C054F2}" type="slidenum">
               <a:rPr lang="en-US" smtClean="0"/>
+              <a:pPr/>
               <a:t>‹#›</a:t>
             </a:fld>
             <a:endParaRPr lang="en-US"/>
@@ -506,7 +508,8 @@
           <a:p>
             <a:fld id="{336A28A0-E963-4FEC-BBB9-01A6316123CB}" type="datetimeFigureOut">
               <a:rPr lang="en-US" smtClean="0"/>
-              <a:t>6/21/2013</a:t>
+              <a:pPr/>
+              <a:t>6/25/2013</a:t>
             </a:fld>
             <a:endParaRPr lang="en-US"/>
           </a:p>
@@ -548,6 +551,7 @@
           <a:p>
             <a:fld id="{FD5A9A7E-542D-459B-9ECB-945F66C054F2}" type="slidenum">
               <a:rPr lang="en-US" smtClean="0"/>
+              <a:pPr/>
               <a:t>‹#›</a:t>
             </a:fld>
             <a:endParaRPr lang="en-US"/>
@@ -681,7 +685,8 @@
           <a:p>
             <a:fld id="{336A28A0-E963-4FEC-BBB9-01A6316123CB}" type="datetimeFigureOut">
               <a:rPr lang="en-US" smtClean="0"/>
-              <a:t>6/21/2013</a:t>
+              <a:pPr/>
+              <a:t>6/25/2013</a:t>
             </a:fld>
             <a:endParaRPr lang="en-US"/>
           </a:p>
@@ -723,6 +728,7 @@
           <a:p>
             <a:fld id="{FD5A9A7E-542D-459B-9ECB-945F66C054F2}" type="slidenum">
               <a:rPr lang="en-US" smtClean="0"/>
+              <a:pPr/>
               <a:t>‹#›</a:t>
             </a:fld>
             <a:endParaRPr lang="en-US"/>
@@ -799,7 +805,8 @@
           <a:p>
             <a:fld id="{336A28A0-E963-4FEC-BBB9-01A6316123CB}" type="datetimeFigureOut">
               <a:rPr lang="en-US" smtClean="0"/>
-              <a:t>6/21/2013</a:t>
+              <a:pPr/>
+              <a:t>6/25/2013</a:t>
             </a:fld>
             <a:endParaRPr lang="en-US"/>
           </a:p>
@@ -841,6 +848,7 @@
           <a:p>
             <a:fld id="{FD5A9A7E-542D-459B-9ECB-945F66C054F2}" type="slidenum">
               <a:rPr lang="en-US" smtClean="0"/>
+              <a:pPr/>
               <a:t>‹#›</a:t>
             </a:fld>
             <a:endParaRPr lang="en-US"/>
@@ -1097,7 +1105,8 @@
           <a:p>
             <a:fld id="{336A28A0-E963-4FEC-BBB9-01A6316123CB}" type="datetimeFigureOut">
               <a:rPr lang="en-US" smtClean="0"/>
-              <a:t>6/21/2013</a:t>
+              <a:pPr/>
+              <a:t>6/25/2013</a:t>
             </a:fld>
             <a:endParaRPr lang="en-US"/>
           </a:p>
@@ -1139,6 +1148,7 @@
           <a:p>
             <a:fld id="{FD5A9A7E-542D-459B-9ECB-945F66C054F2}" type="slidenum">
               <a:rPr lang="en-US" smtClean="0"/>
+              <a:pPr/>
               <a:t>‹#›</a:t>
             </a:fld>
             <a:endParaRPr lang="en-US"/>
@@ -1390,7 +1400,8 @@
           <a:p>
             <a:fld id="{336A28A0-E963-4FEC-BBB9-01A6316123CB}" type="datetimeFigureOut">
               <a:rPr lang="en-US" smtClean="0"/>
-              <a:t>6/21/2013</a:t>
+              <a:pPr/>
+              <a:t>6/25/2013</a:t>
             </a:fld>
             <a:endParaRPr lang="en-US"/>
           </a:p>
@@ -1432,6 +1443,7 @@
           <a:p>
             <a:fld id="{FD5A9A7E-542D-459B-9ECB-945F66C054F2}" type="slidenum">
               <a:rPr lang="en-US" smtClean="0"/>
+              <a:pPr/>
               <a:t>‹#›</a:t>
             </a:fld>
             <a:endParaRPr lang="en-US"/>
@@ -1818,7 +1830,8 @@
           <a:p>
             <a:fld id="{336A28A0-E963-4FEC-BBB9-01A6316123CB}" type="datetimeFigureOut">
               <a:rPr lang="en-US" smtClean="0"/>
-              <a:t>6/21/2013</a:t>
+              <a:pPr/>
+              <a:t>6/25/2013</a:t>
             </a:fld>
             <a:endParaRPr lang="en-US"/>
           </a:p>
@@ -1860,6 +1873,7 @@
           <a:p>
             <a:fld id="{FD5A9A7E-542D-459B-9ECB-945F66C054F2}" type="slidenum">
               <a:rPr lang="en-US" smtClean="0"/>
+              <a:pPr/>
               <a:t>‹#›</a:t>
             </a:fld>
             <a:endParaRPr lang="en-US"/>
@@ -1936,7 +1950,8 @@
           <a:p>
             <a:fld id="{336A28A0-E963-4FEC-BBB9-01A6316123CB}" type="datetimeFigureOut">
               <a:rPr lang="en-US" smtClean="0"/>
-              <a:t>6/21/2013</a:t>
+              <a:pPr/>
+              <a:t>6/25/2013</a:t>
             </a:fld>
             <a:endParaRPr lang="en-US"/>
           </a:p>
@@ -1978,6 +1993,7 @@
           <a:p>
             <a:fld id="{FD5A9A7E-542D-459B-9ECB-945F66C054F2}" type="slidenum">
               <a:rPr lang="en-US" smtClean="0"/>
+              <a:pPr/>
               <a:t>‹#›</a:t>
             </a:fld>
             <a:endParaRPr lang="en-US"/>
@@ -2026,7 +2042,8 @@
           <a:p>
             <a:fld id="{336A28A0-E963-4FEC-BBB9-01A6316123CB}" type="datetimeFigureOut">
               <a:rPr lang="en-US" smtClean="0"/>
-              <a:t>6/21/2013</a:t>
+              <a:pPr/>
+              <a:t>6/25/2013</a:t>
             </a:fld>
             <a:endParaRPr lang="en-US"/>
           </a:p>
@@ -2068,6 +2085,7 @@
           <a:p>
             <a:fld id="{FD5A9A7E-542D-459B-9ECB-945F66C054F2}" type="slidenum">
               <a:rPr lang="en-US" smtClean="0"/>
+              <a:pPr/>
               <a:t>‹#›</a:t>
             </a:fld>
             <a:endParaRPr lang="en-US"/>
@@ -2276,7 +2294,8 @@
           <a:p>
             <a:fld id="{336A28A0-E963-4FEC-BBB9-01A6316123CB}" type="datetimeFigureOut">
               <a:rPr lang="en-US" smtClean="0"/>
-              <a:t>6/21/2013</a:t>
+              <a:pPr/>
+              <a:t>6/25/2013</a:t>
             </a:fld>
             <a:endParaRPr lang="en-US"/>
           </a:p>
@@ -2318,6 +2337,7 @@
           <a:p>
             <a:fld id="{FD5A9A7E-542D-459B-9ECB-945F66C054F2}" type="slidenum">
               <a:rPr lang="en-US" smtClean="0"/>
+              <a:pPr/>
               <a:t>‹#›</a:t>
             </a:fld>
             <a:endParaRPr lang="en-US"/>
@@ -2792,7 +2812,8 @@
           <a:p>
             <a:fld id="{336A28A0-E963-4FEC-BBB9-01A6316123CB}" type="datetimeFigureOut">
               <a:rPr lang="en-US" smtClean="0"/>
-              <a:t>6/21/2013</a:t>
+              <a:pPr/>
+              <a:t>6/25/2013</a:t>
             </a:fld>
             <a:endParaRPr lang="en-US"/>
           </a:p>
@@ -2834,6 +2855,7 @@
           <a:p>
             <a:fld id="{FD5A9A7E-542D-459B-9ECB-945F66C054F2}" type="slidenum">
               <a:rPr lang="en-US" smtClean="0"/>
+              <a:pPr/>
               <a:t>‹#›</a:t>
             </a:fld>
             <a:endParaRPr lang="en-US"/>
@@ -3022,7 +3044,8 @@
           <a:p>
             <a:fld id="{336A28A0-E963-4FEC-BBB9-01A6316123CB}" type="datetimeFigureOut">
               <a:rPr lang="en-US" smtClean="0"/>
-              <a:t>6/21/2013</a:t>
+              <a:pPr/>
+              <a:t>6/25/2013</a:t>
             </a:fld>
             <a:endParaRPr lang="en-US"/>
           </a:p>
@@ -3096,6 +3119,7 @@
           <a:p>
             <a:fld id="{FD5A9A7E-542D-459B-9ECB-945F66C054F2}" type="slidenum">
               <a:rPr lang="en-US" smtClean="0"/>
+              <a:pPr/>
               <a:t>‹#›</a:t>
             </a:fld>
             <a:endParaRPr lang="en-US"/>
@@ -3620,7 +3644,7 @@
           <a:blip r:embed="rId2" cstate="print">
             <a:extLst>
               <a:ext uri="{28A0092B-C50C-407E-A947-70E740481C1C}">
-                <a14:useLocalDpi xmlns:a14="http://schemas.microsoft.com/office/drawing/2010/main" val="0"/>
+                <a14:useLocalDpi xmlns:a14="http://schemas.microsoft.com/office/drawing/2010/main" xmlns="" val="0"/>
               </a:ext>
             </a:extLst>
           </a:blip>
@@ -3640,7 +3664,7 @@
     </p:spTree>
     <p:extLst>
       <p:ext uri="{BB962C8B-B14F-4D97-AF65-F5344CB8AC3E}">
-        <p14:creationId xmlns:p14="http://schemas.microsoft.com/office/powerpoint/2010/main" val="3946531904"/>
+        <p14:creationId xmlns:p14="http://schemas.microsoft.com/office/powerpoint/2010/main" xmlns="" val="3946531904"/>
       </p:ext>
     </p:extLst>
   </p:cSld>
@@ -3738,7 +3762,7 @@
           <a:blip r:embed="rId2" cstate="print">
             <a:extLst>
               <a:ext uri="{28A0092B-C50C-407E-A947-70E740481C1C}">
-                <a14:useLocalDpi xmlns:a14="http://schemas.microsoft.com/office/drawing/2010/main" val="0"/>
+                <a14:useLocalDpi xmlns:a14="http://schemas.microsoft.com/office/drawing/2010/main" xmlns="" val="0"/>
               </a:ext>
             </a:extLst>
           </a:blip>
@@ -4781,7 +4805,7 @@
     </p:spTree>
     <p:extLst>
       <p:ext uri="{BB962C8B-B14F-4D97-AF65-F5344CB8AC3E}">
-        <p14:creationId xmlns:p14="http://schemas.microsoft.com/office/powerpoint/2010/main" val="1989143271"/>
+        <p14:creationId xmlns:p14="http://schemas.microsoft.com/office/powerpoint/2010/main" xmlns="" val="1989143271"/>
       </p:ext>
     </p:extLst>
   </p:cSld>
@@ -4879,7 +4903,7 @@
           <a:blip r:embed="rId2" cstate="print">
             <a:extLst>
               <a:ext uri="{28A0092B-C50C-407E-A947-70E740481C1C}">
-                <a14:useLocalDpi xmlns:a14="http://schemas.microsoft.com/office/drawing/2010/main" val="0"/>
+                <a14:useLocalDpi xmlns:a14="http://schemas.microsoft.com/office/drawing/2010/main" xmlns="" val="0"/>
               </a:ext>
             </a:extLst>
           </a:blip>
@@ -4995,7 +5019,7 @@
     </p:spTree>
     <p:extLst>
       <p:ext uri="{BB962C8B-B14F-4D97-AF65-F5344CB8AC3E}">
-        <p14:creationId xmlns:p14="http://schemas.microsoft.com/office/powerpoint/2010/main" val="2231143800"/>
+        <p14:creationId xmlns:p14="http://schemas.microsoft.com/office/powerpoint/2010/main" xmlns="" val="2231143800"/>
       </p:ext>
     </p:extLst>
   </p:cSld>
@@ -5093,7 +5117,7 @@
           <a:blip r:embed="rId2" cstate="print">
             <a:extLst>
               <a:ext uri="{28A0092B-C50C-407E-A947-70E740481C1C}">
-                <a14:useLocalDpi xmlns:a14="http://schemas.microsoft.com/office/drawing/2010/main" val="0"/>
+                <a14:useLocalDpi xmlns:a14="http://schemas.microsoft.com/office/drawing/2010/main" xmlns="" val="0"/>
               </a:ext>
             </a:extLst>
           </a:blip>
@@ -5146,19 +5170,7 @@
             <a:pPr lvl="0"/>
             <a:r>
               <a:rPr lang="id-ID" dirty="0" smtClean="0"/>
-              <a:t>-Waktu pengerjaan </a:t>
-            </a:r>
-            <a:r>
-              <a:rPr lang="id-ID" dirty="0" smtClean="0"/>
-              <a:t>34 hari (waktu normal) setelah </a:t>
-            </a:r>
-            <a:r>
-              <a:rPr lang="id-ID" dirty="0" smtClean="0"/>
-              <a:t>ada approval dari user</a:t>
-            </a:r>
-            <a:r>
-              <a:rPr lang="id-ID" dirty="0" smtClean="0"/>
-              <a:t>.</a:t>
+              <a:t>-Waktu pengerjaan 34 hari (waktu normal) setelah ada approval dari user.</a:t>
             </a:r>
           </a:p>
           <a:p>
@@ -5173,15 +5185,7 @@
             <a:pPr lvl="0"/>
             <a:r>
               <a:rPr lang="id-ID" dirty="0" smtClean="0"/>
-              <a:t>-SDM yang dibutuhkan yaitu 4 </a:t>
-            </a:r>
-            <a:r>
-              <a:rPr lang="id-ID" dirty="0" smtClean="0"/>
-              <a:t>orang yang merangkap jabatan dengan posisi yang  berbeda. </a:t>
-            </a:r>
-            <a:r>
-              <a:rPr lang="id-ID" dirty="0" smtClean="0"/>
-              <a:t>terdiri dari </a:t>
+              <a:t>-SDM yang dibutuhkan yaitu 4 orang yang merangkap jabatan dengan posisi yang  berbeda. terdiri dari </a:t>
             </a:r>
             <a:r>
               <a:rPr lang="id-ID" dirty="0"/>
@@ -5189,176 +5193,72 @@
             </a:r>
             <a:r>
               <a:rPr lang="id-ID" dirty="0" smtClean="0"/>
-              <a:t>1 </a:t>
-            </a:r>
+              <a:t>1 PM, 3 Programmer, 2 Tester, 1 Administrator dan 1 Sistem Analis.</a:t>
+            </a:r>
+            <a:endParaRPr lang="en-US" dirty="0" smtClean="0"/>
+          </a:p>
+          <a:p>
+            <a:pPr lvl="0"/>
             <a:r>
               <a:rPr lang="id-ID" dirty="0" smtClean="0"/>
-              <a:t>PM</a:t>
-            </a:r>
+              <a:t>-Biaya yang dibutuhkan untuk penggajian sebagai berikut :</a:t>
+            </a:r>
+            <a:endParaRPr lang="en-US" dirty="0" smtClean="0"/>
+          </a:p>
+          <a:p>
             <a:r>
               <a:rPr lang="id-ID" dirty="0" smtClean="0"/>
-              <a:t>, </a:t>
-            </a:r>
+              <a:t>	Gaji PM				= Rp   150.000/Jam</a:t>
+            </a:r>
+            <a:endParaRPr lang="en-US" dirty="0" smtClean="0"/>
+          </a:p>
+          <a:p>
             <a:r>
               <a:rPr lang="id-ID" dirty="0" smtClean="0"/>
-              <a:t>3 Programmer, 2 Tester, 1 Administrator dan 1 Sistem Analis.</a:t>
+              <a:t>	Gaji Programmer (3)			= Rp   210.000/Jam</a:t>
             </a:r>
             <a:endParaRPr lang="en-US" dirty="0" smtClean="0"/>
           </a:p>
           <a:p>
-            <a:pPr lvl="0"/>
             <a:r>
               <a:rPr lang="id-ID" dirty="0" smtClean="0"/>
-              <a:t>-Biaya yang </a:t>
-            </a:r>
+              <a:t>	Gaji Tester (2)			= Rp   100.000/Jam</a:t>
+            </a:r>
+            <a:endParaRPr lang="en-US" dirty="0" smtClean="0"/>
+          </a:p>
+          <a:p>
             <a:r>
               <a:rPr lang="id-ID" dirty="0" smtClean="0"/>
-              <a:t>dibutuhkan untuk penggajian sebagai berikut </a:t>
+              <a:t>	Gaji Administrator			= Rp   </a:t>
+            </a:r>
+            <a:r>
+              <a:rPr lang="id-ID" dirty="0"/>
+              <a:t> </a:t>
             </a:r>
             <a:r>
               <a:rPr lang="id-ID" dirty="0" smtClean="0"/>
-              <a:t>:</a:t>
+              <a:t> 35.000/Jam</a:t>
+            </a:r>
+          </a:p>
+          <a:p>
+            <a:r>
+              <a:rPr lang="id-ID" dirty="0"/>
+              <a:t>	</a:t>
+            </a:r>
+            <a:r>
+              <a:rPr lang="id-ID" dirty="0" smtClean="0"/>
+              <a:t>Gaji Sistem Analis			= Rp   100.000/Jam</a:t>
             </a:r>
             <a:endParaRPr lang="en-US" dirty="0" smtClean="0"/>
           </a:p>
           <a:p>
-            <a:r>
-              <a:rPr lang="id-ID" dirty="0" smtClean="0"/>
-              <a:t>	Gaji PM			</a:t>
-            </a:r>
-            <a:r>
-              <a:rPr lang="id-ID" dirty="0" smtClean="0"/>
-              <a:t>	= </a:t>
-            </a:r>
-            <a:r>
-              <a:rPr lang="id-ID" dirty="0" smtClean="0"/>
-              <a:t>Rp   </a:t>
-            </a:r>
-            <a:r>
-              <a:rPr lang="id-ID" dirty="0" smtClean="0"/>
-              <a:t>150.000/Jam</a:t>
-            </a:r>
-            <a:endParaRPr lang="en-US" dirty="0" smtClean="0"/>
-          </a:p>
-          <a:p>
-            <a:r>
-              <a:rPr lang="id-ID" dirty="0" smtClean="0"/>
-              <a:t>	Gaji </a:t>
-            </a:r>
-            <a:r>
-              <a:rPr lang="id-ID" dirty="0" smtClean="0"/>
-              <a:t>Programmer (3)</a:t>
-            </a:r>
             <a:r>
               <a:rPr lang="id-ID" dirty="0" smtClean="0"/>
               <a:t>	</a:t>
             </a:r>
             <a:r>
-              <a:rPr lang="id-ID" dirty="0" smtClean="0"/>
-              <a:t>		= </a:t>
-            </a:r>
-            <a:r>
-              <a:rPr lang="id-ID" dirty="0" smtClean="0"/>
-              <a:t>Rp   </a:t>
-            </a:r>
-            <a:r>
-              <a:rPr lang="id-ID" dirty="0" smtClean="0"/>
-              <a:t>21</a:t>
-            </a:r>
-            <a:r>
-              <a:rPr lang="id-ID" dirty="0" smtClean="0"/>
-              <a:t>0.000/Jam</a:t>
-            </a:r>
-            <a:endParaRPr lang="en-US" dirty="0" smtClean="0"/>
-          </a:p>
-          <a:p>
-            <a:r>
-              <a:rPr lang="id-ID" dirty="0" smtClean="0"/>
-              <a:t>	Gaji </a:t>
-            </a:r>
-            <a:r>
-              <a:rPr lang="id-ID" dirty="0" smtClean="0"/>
-              <a:t>Tester (2)</a:t>
-            </a:r>
-            <a:r>
-              <a:rPr lang="id-ID" dirty="0" smtClean="0"/>
-              <a:t>	</a:t>
-            </a:r>
-            <a:r>
-              <a:rPr lang="id-ID" dirty="0" smtClean="0"/>
-              <a:t>		= </a:t>
-            </a:r>
-            <a:r>
-              <a:rPr lang="id-ID" dirty="0" smtClean="0"/>
-              <a:t>Rp  </a:t>
-            </a:r>
-            <a:r>
-              <a:rPr lang="id-ID" dirty="0" smtClean="0"/>
-              <a:t> 100.000/Jam</a:t>
-            </a:r>
-            <a:endParaRPr lang="en-US" dirty="0" smtClean="0"/>
-          </a:p>
-          <a:p>
-            <a:r>
-              <a:rPr lang="id-ID" dirty="0" smtClean="0"/>
-              <a:t>	</a:t>
-            </a:r>
-            <a:r>
-              <a:rPr lang="id-ID" dirty="0" smtClean="0"/>
-              <a:t>Gaji Administrator</a:t>
-            </a:r>
-            <a:r>
-              <a:rPr lang="id-ID" dirty="0" smtClean="0"/>
-              <a:t>		</a:t>
-            </a:r>
-            <a:r>
-              <a:rPr lang="id-ID" dirty="0" smtClean="0"/>
-              <a:t>	= </a:t>
-            </a:r>
-            <a:r>
-              <a:rPr lang="id-ID" dirty="0" smtClean="0"/>
-              <a:t>Rp   </a:t>
-            </a:r>
-            <a:r>
-              <a:rPr lang="id-ID" dirty="0"/>
-              <a:t> </a:t>
-            </a:r>
-            <a:r>
-              <a:rPr lang="id-ID" dirty="0" smtClean="0"/>
-              <a:t> </a:t>
-            </a:r>
-            <a:r>
-              <a:rPr lang="id-ID" dirty="0" smtClean="0"/>
-              <a:t>35.000/Jam</a:t>
-            </a:r>
-          </a:p>
-          <a:p>
-            <a:r>
-              <a:rPr lang="id-ID" dirty="0"/>
-              <a:t>	</a:t>
-            </a:r>
-            <a:r>
-              <a:rPr lang="id-ID" dirty="0" smtClean="0"/>
-              <a:t>Gaji Sistem Analis			= Rp   100.000/Jam</a:t>
-            </a:r>
-            <a:endParaRPr lang="en-US" dirty="0" smtClean="0"/>
-          </a:p>
-          <a:p>
-            <a:r>
-              <a:rPr lang="id-ID" dirty="0" smtClean="0"/>
-              <a:t>	</a:t>
-            </a:r>
-            <a:r>
               <a:rPr lang="id-ID" b="1" dirty="0" smtClean="0"/>
-              <a:t>Total Pengeluaran Perusahaan /jam </a:t>
-            </a:r>
-            <a:r>
-              <a:rPr lang="id-ID" b="1" dirty="0" smtClean="0"/>
-              <a:t>	= Rp </a:t>
-            </a:r>
-            <a:r>
-              <a:rPr lang="id-ID" b="1" dirty="0" smtClean="0"/>
-              <a:t>       595.000</a:t>
+              <a:t>Total Pengeluaran Perusahaan /jam 	= Rp        595.000</a:t>
             </a:r>
           </a:p>
           <a:p>
@@ -5540,7 +5440,7 @@
     </p:spTree>
     <p:extLst>
       <p:ext uri="{BB962C8B-B14F-4D97-AF65-F5344CB8AC3E}">
-        <p14:creationId xmlns:p14="http://schemas.microsoft.com/office/powerpoint/2010/main" val="3951296243"/>
+        <p14:creationId xmlns:p14="http://schemas.microsoft.com/office/powerpoint/2010/main" xmlns="" val="3951296243"/>
       </p:ext>
     </p:extLst>
   </p:cSld>
@@ -5638,7 +5538,7 @@
           <a:blip r:embed="rId2" cstate="print">
             <a:extLst>
               <a:ext uri="{28A0092B-C50C-407E-A947-70E740481C1C}">
-                <a14:useLocalDpi xmlns:a14="http://schemas.microsoft.com/office/drawing/2010/main" val="0"/>
+                <a14:useLocalDpi xmlns:a14="http://schemas.microsoft.com/office/drawing/2010/main" xmlns="" val="0"/>
               </a:ext>
             </a:extLst>
           </a:blip>
@@ -5709,7 +5609,7 @@
           <p:nvPr>
             <p:extLst>
               <p:ext uri="{D42A27DB-BD31-4B8C-83A1-F6EECF244321}">
-                <p14:modId xmlns:p14="http://schemas.microsoft.com/office/powerpoint/2010/main" val="1745481286"/>
+                <p14:modId xmlns:p14="http://schemas.microsoft.com/office/powerpoint/2010/main" xmlns="" val="1745481286"/>
               </p:ext>
             </p:extLst>
           </p:nvPr>
@@ -6921,7 +6821,7 @@
     </p:spTree>
     <p:extLst>
       <p:ext uri="{BB962C8B-B14F-4D97-AF65-F5344CB8AC3E}">
-        <p14:creationId xmlns:p14="http://schemas.microsoft.com/office/powerpoint/2010/main" val="2102684359"/>
+        <p14:creationId xmlns:p14="http://schemas.microsoft.com/office/powerpoint/2010/main" xmlns="" val="2102684359"/>
       </p:ext>
     </p:extLst>
   </p:cSld>
@@ -7019,7 +6919,7 @@
           <a:blip r:embed="rId2" cstate="print">
             <a:extLst>
               <a:ext uri="{28A0092B-C50C-407E-A947-70E740481C1C}">
-                <a14:useLocalDpi xmlns:a14="http://schemas.microsoft.com/office/drawing/2010/main" val="0"/>
+                <a14:useLocalDpi xmlns:a14="http://schemas.microsoft.com/office/drawing/2010/main" xmlns="" val="0"/>
               </a:ext>
             </a:extLst>
           </a:blip>
@@ -7121,7 +7021,7 @@
           <p:nvPr>
             <p:extLst>
               <p:ext uri="{D42A27DB-BD31-4B8C-83A1-F6EECF244321}">
-                <p14:modId xmlns:p14="http://schemas.microsoft.com/office/powerpoint/2010/main" val="1602657630"/>
+                <p14:modId xmlns:p14="http://schemas.microsoft.com/office/powerpoint/2010/main" xmlns="" val="1602657630"/>
               </p:ext>
             </p:extLst>
           </p:nvPr>
@@ -8183,7 +8083,7 @@
     </p:spTree>
     <p:extLst>
       <p:ext uri="{BB962C8B-B14F-4D97-AF65-F5344CB8AC3E}">
-        <p14:creationId xmlns:p14="http://schemas.microsoft.com/office/powerpoint/2010/main" val="2260366371"/>
+        <p14:creationId xmlns:p14="http://schemas.microsoft.com/office/powerpoint/2010/main" xmlns="" val="2260366371"/>
       </p:ext>
     </p:extLst>
   </p:cSld>
@@ -8281,7 +8181,7 @@
           <a:blip r:embed="rId2" cstate="print">
             <a:extLst>
               <a:ext uri="{28A0092B-C50C-407E-A947-70E740481C1C}">
-                <a14:useLocalDpi xmlns:a14="http://schemas.microsoft.com/office/drawing/2010/main" val="0"/>
+                <a14:useLocalDpi xmlns:a14="http://schemas.microsoft.com/office/drawing/2010/main" xmlns="" val="0"/>
               </a:ext>
             </a:extLst>
           </a:blip>
@@ -8354,7 +8254,7 @@
           <p:nvPr>
             <p:extLst>
               <p:ext uri="{D42A27DB-BD31-4B8C-83A1-F6EECF244321}">
-                <p14:modId xmlns:p14="http://schemas.microsoft.com/office/powerpoint/2010/main" val="2315778466"/>
+                <p14:modId xmlns:p14="http://schemas.microsoft.com/office/powerpoint/2010/main" xmlns="" val="2315778466"/>
               </p:ext>
             </p:extLst>
           </p:nvPr>
@@ -9923,7 +9823,7 @@
     </p:spTree>
     <p:extLst>
       <p:ext uri="{BB962C8B-B14F-4D97-AF65-F5344CB8AC3E}">
-        <p14:creationId xmlns:p14="http://schemas.microsoft.com/office/powerpoint/2010/main" val="2774565413"/>
+        <p14:creationId xmlns:p14="http://schemas.microsoft.com/office/powerpoint/2010/main" xmlns="" val="2774565413"/>
       </p:ext>
     </p:extLst>
   </p:cSld>
@@ -10021,7 +9921,7 @@
           <a:blip r:embed="rId2" cstate="print">
             <a:extLst>
               <a:ext uri="{28A0092B-C50C-407E-A947-70E740481C1C}">
-                <a14:useLocalDpi xmlns:a14="http://schemas.microsoft.com/office/drawing/2010/main" val="0"/>
+                <a14:useLocalDpi xmlns:a14="http://schemas.microsoft.com/office/drawing/2010/main" xmlns="" val="0"/>
               </a:ext>
             </a:extLst>
           </a:blip>
@@ -10176,7 +10076,7 @@
     </p:spTree>
     <p:extLst>
       <p:ext uri="{BB962C8B-B14F-4D97-AF65-F5344CB8AC3E}">
-        <p14:creationId xmlns:p14="http://schemas.microsoft.com/office/powerpoint/2010/main" val="286642310"/>
+        <p14:creationId xmlns:p14="http://schemas.microsoft.com/office/powerpoint/2010/main" xmlns="" val="286642310"/>
       </p:ext>
     </p:extLst>
   </p:cSld>
@@ -10353,7 +10253,7 @@
           <a:blip r:embed="rId2" cstate="print">
             <a:extLst>
               <a:ext uri="{28A0092B-C50C-407E-A947-70E740481C1C}">
-                <a14:useLocalDpi xmlns:a14="http://schemas.microsoft.com/office/drawing/2010/main" val="0"/>
+                <a14:useLocalDpi xmlns:a14="http://schemas.microsoft.com/office/drawing/2010/main" xmlns="" val="0"/>
               </a:ext>
             </a:extLst>
           </a:blip>
@@ -10696,7 +10596,7 @@
     </p:spTree>
     <p:extLst>
       <p:ext uri="{BB962C8B-B14F-4D97-AF65-F5344CB8AC3E}">
-        <p14:creationId xmlns:p14="http://schemas.microsoft.com/office/powerpoint/2010/main" val="3018591994"/>
+        <p14:creationId xmlns:p14="http://schemas.microsoft.com/office/powerpoint/2010/main" xmlns="" val="3018591994"/>
       </p:ext>
     </p:extLst>
   </p:cSld>
@@ -10794,7 +10694,7 @@
           <a:blip r:embed="rId2" cstate="print">
             <a:extLst>
               <a:ext uri="{28A0092B-C50C-407E-A947-70E740481C1C}">
-                <a14:useLocalDpi xmlns:a14="http://schemas.microsoft.com/office/drawing/2010/main" val="0"/>
+                <a14:useLocalDpi xmlns:a14="http://schemas.microsoft.com/office/drawing/2010/main" xmlns="" val="0"/>
               </a:ext>
             </a:extLst>
           </a:blip>
@@ -10975,7 +10875,7 @@
     </p:spTree>
     <p:extLst>
       <p:ext uri="{BB962C8B-B14F-4D97-AF65-F5344CB8AC3E}">
-        <p14:creationId xmlns:p14="http://schemas.microsoft.com/office/powerpoint/2010/main" val="896700862"/>
+        <p14:creationId xmlns:p14="http://schemas.microsoft.com/office/powerpoint/2010/main" xmlns="" val="896700862"/>
       </p:ext>
     </p:extLst>
   </p:cSld>
@@ -11073,7 +10973,7 @@
           <a:blip r:embed="rId2" cstate="print">
             <a:extLst>
               <a:ext uri="{28A0092B-C50C-407E-A947-70E740481C1C}">
-                <a14:useLocalDpi xmlns:a14="http://schemas.microsoft.com/office/drawing/2010/main" val="0"/>
+                <a14:useLocalDpi xmlns:a14="http://schemas.microsoft.com/office/drawing/2010/main" xmlns="" val="0"/>
               </a:ext>
             </a:extLst>
           </a:blip>
@@ -11253,7 +11153,7 @@
     </p:spTree>
     <p:extLst>
       <p:ext uri="{BB962C8B-B14F-4D97-AF65-F5344CB8AC3E}">
-        <p14:creationId xmlns:p14="http://schemas.microsoft.com/office/powerpoint/2010/main" val="570800032"/>
+        <p14:creationId xmlns:p14="http://schemas.microsoft.com/office/powerpoint/2010/main" xmlns="" val="570800032"/>
       </p:ext>
     </p:extLst>
   </p:cSld>
@@ -11351,7 +11251,7 @@
           <a:blip r:embed="rId2" cstate="print">
             <a:extLst>
               <a:ext uri="{28A0092B-C50C-407E-A947-70E740481C1C}">
-                <a14:useLocalDpi xmlns:a14="http://schemas.microsoft.com/office/drawing/2010/main" val="0"/>
+                <a14:useLocalDpi xmlns:a14="http://schemas.microsoft.com/office/drawing/2010/main" xmlns="" val="0"/>
               </a:ext>
             </a:extLst>
           </a:blip>
@@ -11493,7 +11393,7 @@
     </p:spTree>
     <p:extLst>
       <p:ext uri="{BB962C8B-B14F-4D97-AF65-F5344CB8AC3E}">
-        <p14:creationId xmlns:p14="http://schemas.microsoft.com/office/powerpoint/2010/main" val="3223913775"/>
+        <p14:creationId xmlns:p14="http://schemas.microsoft.com/office/powerpoint/2010/main" xmlns="" val="3223913775"/>
       </p:ext>
     </p:extLst>
   </p:cSld>
@@ -11591,7 +11491,7 @@
           <a:blip r:embed="rId2" cstate="print">
             <a:extLst>
               <a:ext uri="{28A0092B-C50C-407E-A947-70E740481C1C}">
-                <a14:useLocalDpi xmlns:a14="http://schemas.microsoft.com/office/drawing/2010/main" val="0"/>
+                <a14:useLocalDpi xmlns:a14="http://schemas.microsoft.com/office/drawing/2010/main" xmlns="" val="0"/>
               </a:ext>
             </a:extLst>
           </a:blip>
@@ -11758,7 +11658,7 @@
     </p:spTree>
     <p:extLst>
       <p:ext uri="{BB962C8B-B14F-4D97-AF65-F5344CB8AC3E}">
-        <p14:creationId xmlns:p14="http://schemas.microsoft.com/office/powerpoint/2010/main" val="4035989063"/>
+        <p14:creationId xmlns:p14="http://schemas.microsoft.com/office/powerpoint/2010/main" xmlns="" val="4035989063"/>
       </p:ext>
     </p:extLst>
   </p:cSld>
@@ -11856,7 +11756,7 @@
           <a:blip r:embed="rId2" cstate="print">
             <a:extLst>
               <a:ext uri="{28A0092B-C50C-407E-A947-70E740481C1C}">
-                <a14:useLocalDpi xmlns:a14="http://schemas.microsoft.com/office/drawing/2010/main" val="0"/>
+                <a14:useLocalDpi xmlns:a14="http://schemas.microsoft.com/office/drawing/2010/main" xmlns="" val="0"/>
               </a:ext>
             </a:extLst>
           </a:blip>
@@ -12027,7 +11927,7 @@
     </p:spTree>
     <p:extLst>
       <p:ext uri="{BB962C8B-B14F-4D97-AF65-F5344CB8AC3E}">
-        <p14:creationId xmlns:p14="http://schemas.microsoft.com/office/powerpoint/2010/main" val="436613455"/>
+        <p14:creationId xmlns:p14="http://schemas.microsoft.com/office/powerpoint/2010/main" xmlns="" val="436613455"/>
       </p:ext>
     </p:extLst>
   </p:cSld>
@@ -12125,7 +12025,7 @@
           <a:blip r:embed="rId2" cstate="print">
             <a:extLst>
               <a:ext uri="{28A0092B-C50C-407E-A947-70E740481C1C}">
-                <a14:useLocalDpi xmlns:a14="http://schemas.microsoft.com/office/drawing/2010/main" val="0"/>
+                <a14:useLocalDpi xmlns:a14="http://schemas.microsoft.com/office/drawing/2010/main" xmlns="" val="0"/>
               </a:ext>
             </a:extLst>
           </a:blip>
@@ -12251,7 +12151,7 @@
     </p:spTree>
     <p:extLst>
       <p:ext uri="{BB962C8B-B14F-4D97-AF65-F5344CB8AC3E}">
-        <p14:creationId xmlns:p14="http://schemas.microsoft.com/office/powerpoint/2010/main" val="1004834308"/>
+        <p14:creationId xmlns:p14="http://schemas.microsoft.com/office/powerpoint/2010/main" xmlns="" val="1004834308"/>
       </p:ext>
     </p:extLst>
   </p:cSld>
@@ -12349,7 +12249,7 @@
           <a:blip r:embed="rId2" cstate="print">
             <a:extLst>
               <a:ext uri="{28A0092B-C50C-407E-A947-70E740481C1C}">
-                <a14:useLocalDpi xmlns:a14="http://schemas.microsoft.com/office/drawing/2010/main" val="0"/>
+                <a14:useLocalDpi xmlns:a14="http://schemas.microsoft.com/office/drawing/2010/main" xmlns="" val="0"/>
               </a:ext>
             </a:extLst>
           </a:blip>
@@ -12563,7 +12463,7 @@
     </p:spTree>
     <p:extLst>
       <p:ext uri="{BB962C8B-B14F-4D97-AF65-F5344CB8AC3E}">
-        <p14:creationId xmlns:p14="http://schemas.microsoft.com/office/powerpoint/2010/main" val="3225045834"/>
+        <p14:creationId xmlns:p14="http://schemas.microsoft.com/office/powerpoint/2010/main" xmlns="" val="3225045834"/>
       </p:ext>
     </p:extLst>
   </p:cSld>
@@ -12661,7 +12561,7 @@
           <a:blip r:embed="rId2" cstate="print">
             <a:extLst>
               <a:ext uri="{28A0092B-C50C-407E-A947-70E740481C1C}">
-                <a14:useLocalDpi xmlns:a14="http://schemas.microsoft.com/office/drawing/2010/main" val="0"/>
+                <a14:useLocalDpi xmlns:a14="http://schemas.microsoft.com/office/drawing/2010/main" xmlns="" val="0"/>
               </a:ext>
             </a:extLst>
           </a:blip>
@@ -12851,7 +12751,7 @@
     </p:spTree>
     <p:extLst>
       <p:ext uri="{BB962C8B-B14F-4D97-AF65-F5344CB8AC3E}">
-        <p14:creationId xmlns:p14="http://schemas.microsoft.com/office/powerpoint/2010/main" val="3848501878"/>
+        <p14:creationId xmlns:p14="http://schemas.microsoft.com/office/powerpoint/2010/main" xmlns="" val="3848501878"/>
       </p:ext>
     </p:extLst>
   </p:cSld>
@@ -12949,7 +12849,7 @@
           <a:blip r:embed="rId2" cstate="print">
             <a:extLst>
               <a:ext uri="{28A0092B-C50C-407E-A947-70E740481C1C}">
-                <a14:useLocalDpi xmlns:a14="http://schemas.microsoft.com/office/drawing/2010/main" val="0"/>
+                <a14:useLocalDpi xmlns:a14="http://schemas.microsoft.com/office/drawing/2010/main" xmlns="" val="0"/>
               </a:ext>
             </a:extLst>
           </a:blip>
@@ -13000,7 +12900,7 @@
     </p:spTree>
     <p:extLst>
       <p:ext uri="{BB962C8B-B14F-4D97-AF65-F5344CB8AC3E}">
-        <p14:creationId xmlns:p14="http://schemas.microsoft.com/office/powerpoint/2010/main" val="1283804135"/>
+        <p14:creationId xmlns:p14="http://schemas.microsoft.com/office/powerpoint/2010/main" xmlns="" val="1283804135"/>
       </p:ext>
     </p:extLst>
   </p:cSld>
@@ -13098,7 +12998,7 @@
           <a:blip r:embed="rId2" cstate="print">
             <a:extLst>
               <a:ext uri="{28A0092B-C50C-407E-A947-70E740481C1C}">
-                <a14:useLocalDpi xmlns:a14="http://schemas.microsoft.com/office/drawing/2010/main" val="0"/>
+                <a14:useLocalDpi xmlns:a14="http://schemas.microsoft.com/office/drawing/2010/main" xmlns="" val="0"/>
               </a:ext>
             </a:extLst>
           </a:blip>
@@ -13244,7 +13144,7 @@
     </p:spTree>
     <p:extLst>
       <p:ext uri="{BB962C8B-B14F-4D97-AF65-F5344CB8AC3E}">
-        <p14:creationId xmlns:p14="http://schemas.microsoft.com/office/powerpoint/2010/main" val="3330499059"/>
+        <p14:creationId xmlns:p14="http://schemas.microsoft.com/office/powerpoint/2010/main" xmlns="" val="3330499059"/>
       </p:ext>
     </p:extLst>
   </p:cSld>
@@ -13290,7 +13190,7 @@
           <a:blip r:embed="rId2" cstate="print">
             <a:extLst>
               <a:ext uri="{28A0092B-C50C-407E-A947-70E740481C1C}">
-                <a14:useLocalDpi xmlns:a14="http://schemas.microsoft.com/office/drawing/2010/main" val="0"/>
+                <a14:useLocalDpi xmlns:a14="http://schemas.microsoft.com/office/drawing/2010/main" xmlns="" val="0"/>
               </a:ext>
             </a:extLst>
           </a:blip>
@@ -13702,7 +13602,7 @@
           <a:blip r:embed="rId3" cstate="print">
             <a:extLst>
               <a:ext uri="{28A0092B-C50C-407E-A947-70E740481C1C}">
-                <a14:useLocalDpi xmlns:a14="http://schemas.microsoft.com/office/drawing/2010/main" val="0"/>
+                <a14:useLocalDpi xmlns:a14="http://schemas.microsoft.com/office/drawing/2010/main" xmlns="" val="0"/>
               </a:ext>
             </a:extLst>
           </a:blip>
@@ -13722,7 +13622,7 @@
           <a:noFill/>
           <a:extLst>
             <a:ext uri="{909E8E84-426E-40DD-AFC4-6F175D3DCCD1}">
-              <a14:hiddenFill xmlns:a14="http://schemas.microsoft.com/office/drawing/2010/main">
+              <a14:hiddenFill xmlns:a14="http://schemas.microsoft.com/office/drawing/2010/main" xmlns="">
                 <a:solidFill>
                   <a:srgbClr val="FFFFFF"/>
                 </a:solidFill>
@@ -13743,7 +13643,7 @@
           <a:blip r:embed="rId4" cstate="print">
             <a:extLst>
               <a:ext uri="{28A0092B-C50C-407E-A947-70E740481C1C}">
-                <a14:useLocalDpi xmlns:a14="http://schemas.microsoft.com/office/drawing/2010/main" val="0"/>
+                <a14:useLocalDpi xmlns:a14="http://schemas.microsoft.com/office/drawing/2010/main" xmlns="" val="0"/>
               </a:ext>
             </a:extLst>
           </a:blip>
@@ -13763,7 +13663,7 @@
           <a:noFill/>
           <a:extLst>
             <a:ext uri="{909E8E84-426E-40DD-AFC4-6F175D3DCCD1}">
-              <a14:hiddenFill xmlns:a14="http://schemas.microsoft.com/office/drawing/2010/main">
+              <a14:hiddenFill xmlns:a14="http://schemas.microsoft.com/office/drawing/2010/main" xmlns="">
                 <a:solidFill>
                   <a:srgbClr val="FFFFFF"/>
                 </a:solidFill>
@@ -13784,7 +13684,7 @@
           <a:blip r:embed="rId5" cstate="print">
             <a:extLst>
               <a:ext uri="{28A0092B-C50C-407E-A947-70E740481C1C}">
-                <a14:useLocalDpi xmlns:a14="http://schemas.microsoft.com/office/drawing/2010/main" val="0"/>
+                <a14:useLocalDpi xmlns:a14="http://schemas.microsoft.com/office/drawing/2010/main" xmlns="" val="0"/>
               </a:ext>
             </a:extLst>
           </a:blip>
@@ -13804,7 +13704,7 @@
           <a:noFill/>
           <a:extLst>
             <a:ext uri="{909E8E84-426E-40DD-AFC4-6F175D3DCCD1}">
-              <a14:hiddenFill xmlns:a14="http://schemas.microsoft.com/office/drawing/2010/main">
+              <a14:hiddenFill xmlns:a14="http://schemas.microsoft.com/office/drawing/2010/main" xmlns="">
                 <a:solidFill>
                   <a:srgbClr val="FFFFFF"/>
                 </a:solidFill>
@@ -13822,10 +13722,10 @@
           <p:nvPr/>
         </p:nvPicPr>
         <p:blipFill>
-          <a:blip r:embed="rId6">
+          <a:blip r:embed="rId6" cstate="print">
             <a:extLst>
               <a:ext uri="{28A0092B-C50C-407E-A947-70E740481C1C}">
-                <a14:useLocalDpi xmlns:a14="http://schemas.microsoft.com/office/drawing/2010/main" val="0"/>
+                <a14:useLocalDpi xmlns:a14="http://schemas.microsoft.com/office/drawing/2010/main" xmlns="" val="0"/>
               </a:ext>
             </a:extLst>
           </a:blip>
@@ -13845,7 +13745,7 @@
           <a:noFill/>
           <a:extLst>
             <a:ext uri="{909E8E84-426E-40DD-AFC4-6F175D3DCCD1}">
-              <a14:hiddenFill xmlns:a14="http://schemas.microsoft.com/office/drawing/2010/main">
+              <a14:hiddenFill xmlns:a14="http://schemas.microsoft.com/office/drawing/2010/main" xmlns="">
                 <a:solidFill>
                   <a:srgbClr val="FFFFFF"/>
                 </a:solidFill>
@@ -14692,7 +14592,7 @@
           <a:blip r:embed="rId7" cstate="print">
             <a:extLst>
               <a:ext uri="{28A0092B-C50C-407E-A947-70E740481C1C}">
-                <a14:useLocalDpi xmlns:a14="http://schemas.microsoft.com/office/drawing/2010/main" val="0"/>
+                <a14:useLocalDpi xmlns:a14="http://schemas.microsoft.com/office/drawing/2010/main" xmlns="" val="0"/>
               </a:ext>
             </a:extLst>
           </a:blip>
@@ -14712,7 +14612,7 @@
           <a:noFill/>
           <a:extLst>
             <a:ext uri="{909E8E84-426E-40DD-AFC4-6F175D3DCCD1}">
-              <a14:hiddenFill xmlns:a14="http://schemas.microsoft.com/office/drawing/2010/main">
+              <a14:hiddenFill xmlns:a14="http://schemas.microsoft.com/office/drawing/2010/main" xmlns="">
                 <a:solidFill>
                   <a:srgbClr val="FFFFFF"/>
                 </a:solidFill>
@@ -14733,7 +14633,7 @@
           <a:blip r:embed="rId4" cstate="print">
             <a:extLst>
               <a:ext uri="{28A0092B-C50C-407E-A947-70E740481C1C}">
-                <a14:useLocalDpi xmlns:a14="http://schemas.microsoft.com/office/drawing/2010/main" val="0"/>
+                <a14:useLocalDpi xmlns:a14="http://schemas.microsoft.com/office/drawing/2010/main" xmlns="" val="0"/>
               </a:ext>
             </a:extLst>
           </a:blip>
@@ -14753,7 +14653,7 @@
           <a:noFill/>
           <a:extLst>
             <a:ext uri="{909E8E84-426E-40DD-AFC4-6F175D3DCCD1}">
-              <a14:hiddenFill xmlns:a14="http://schemas.microsoft.com/office/drawing/2010/main">
+              <a14:hiddenFill xmlns:a14="http://schemas.microsoft.com/office/drawing/2010/main" xmlns="">
                 <a:solidFill>
                   <a:srgbClr val="FFFFFF"/>
                 </a:solidFill>
@@ -14774,7 +14674,7 @@
           <a:blip r:embed="rId5" cstate="print">
             <a:extLst>
               <a:ext uri="{28A0092B-C50C-407E-A947-70E740481C1C}">
-                <a14:useLocalDpi xmlns:a14="http://schemas.microsoft.com/office/drawing/2010/main" val="0"/>
+                <a14:useLocalDpi xmlns:a14="http://schemas.microsoft.com/office/drawing/2010/main" xmlns="" val="0"/>
               </a:ext>
             </a:extLst>
           </a:blip>
@@ -14794,7 +14694,7 @@
           <a:noFill/>
           <a:extLst>
             <a:ext uri="{909E8E84-426E-40DD-AFC4-6F175D3DCCD1}">
-              <a14:hiddenFill xmlns:a14="http://schemas.microsoft.com/office/drawing/2010/main">
+              <a14:hiddenFill xmlns:a14="http://schemas.microsoft.com/office/drawing/2010/main" xmlns="">
                 <a:solidFill>
                   <a:srgbClr val="FFFFFF"/>
                 </a:solidFill>
@@ -14815,7 +14715,7 @@
           <a:blip r:embed="rId7" cstate="print">
             <a:extLst>
               <a:ext uri="{28A0092B-C50C-407E-A947-70E740481C1C}">
-                <a14:useLocalDpi xmlns:a14="http://schemas.microsoft.com/office/drawing/2010/main" val="0"/>
+                <a14:useLocalDpi xmlns:a14="http://schemas.microsoft.com/office/drawing/2010/main" xmlns="" val="0"/>
               </a:ext>
             </a:extLst>
           </a:blip>
@@ -14835,7 +14735,7 @@
           <a:noFill/>
           <a:extLst>
             <a:ext uri="{909E8E84-426E-40DD-AFC4-6F175D3DCCD1}">
-              <a14:hiddenFill xmlns:a14="http://schemas.microsoft.com/office/drawing/2010/main">
+              <a14:hiddenFill xmlns:a14="http://schemas.microsoft.com/office/drawing/2010/main" xmlns="">
                 <a:solidFill>
                   <a:srgbClr val="FFFFFF"/>
                 </a:solidFill>
@@ -15369,7 +15269,7 @@
           <a:blip r:embed="rId8" cstate="print">
             <a:extLst>
               <a:ext uri="{28A0092B-C50C-407E-A947-70E740481C1C}">
-                <a14:useLocalDpi xmlns:a14="http://schemas.microsoft.com/office/drawing/2010/main" val="0"/>
+                <a14:useLocalDpi xmlns:a14="http://schemas.microsoft.com/office/drawing/2010/main" xmlns="" val="0"/>
               </a:ext>
             </a:extLst>
           </a:blip>
@@ -15389,7 +15289,7 @@
           <a:noFill/>
           <a:extLst>
             <a:ext uri="{909E8E84-426E-40DD-AFC4-6F175D3DCCD1}">
-              <a14:hiddenFill xmlns:a14="http://schemas.microsoft.com/office/drawing/2010/main">
+              <a14:hiddenFill xmlns:a14="http://schemas.microsoft.com/office/drawing/2010/main" xmlns="">
                 <a:solidFill>
                   <a:srgbClr val="FFFFFF"/>
                 </a:solidFill>
@@ -15410,7 +15310,7 @@
           <a:blip r:embed="rId3" cstate="print">
             <a:extLst>
               <a:ext uri="{28A0092B-C50C-407E-A947-70E740481C1C}">
-                <a14:useLocalDpi xmlns:a14="http://schemas.microsoft.com/office/drawing/2010/main" val="0"/>
+                <a14:useLocalDpi xmlns:a14="http://schemas.microsoft.com/office/drawing/2010/main" xmlns="" val="0"/>
               </a:ext>
             </a:extLst>
           </a:blip>
@@ -15430,7 +15330,7 @@
           <a:noFill/>
           <a:extLst>
             <a:ext uri="{909E8E84-426E-40DD-AFC4-6F175D3DCCD1}">
-              <a14:hiddenFill xmlns:a14="http://schemas.microsoft.com/office/drawing/2010/main">
+              <a14:hiddenFill xmlns:a14="http://schemas.microsoft.com/office/drawing/2010/main" xmlns="">
                 <a:solidFill>
                   <a:srgbClr val="FFFFFF"/>
                 </a:solidFill>
@@ -15451,7 +15351,7 @@
           <a:blip r:embed="rId3" cstate="print">
             <a:extLst>
               <a:ext uri="{28A0092B-C50C-407E-A947-70E740481C1C}">
-                <a14:useLocalDpi xmlns:a14="http://schemas.microsoft.com/office/drawing/2010/main" val="0"/>
+                <a14:useLocalDpi xmlns:a14="http://schemas.microsoft.com/office/drawing/2010/main" xmlns="" val="0"/>
               </a:ext>
             </a:extLst>
           </a:blip>
@@ -15471,7 +15371,7 @@
           <a:noFill/>
           <a:extLst>
             <a:ext uri="{909E8E84-426E-40DD-AFC4-6F175D3DCCD1}">
-              <a14:hiddenFill xmlns:a14="http://schemas.microsoft.com/office/drawing/2010/main">
+              <a14:hiddenFill xmlns:a14="http://schemas.microsoft.com/office/drawing/2010/main" xmlns="">
                 <a:solidFill>
                   <a:srgbClr val="FFFFFF"/>
                 </a:solidFill>
@@ -16614,7 +16514,7 @@
     </p:spTree>
     <p:extLst>
       <p:ext uri="{BB962C8B-B14F-4D97-AF65-F5344CB8AC3E}">
-        <p14:creationId xmlns:p14="http://schemas.microsoft.com/office/powerpoint/2010/main" val="2390215900"/>
+        <p14:creationId xmlns:p14="http://schemas.microsoft.com/office/powerpoint/2010/main" xmlns="" val="2390215900"/>
       </p:ext>
     </p:extLst>
   </p:cSld>
@@ -16660,7 +16560,7 @@
           <a:blip r:embed="rId2" cstate="print">
             <a:extLst>
               <a:ext uri="{28A0092B-C50C-407E-A947-70E740481C1C}">
-                <a14:useLocalDpi xmlns:a14="http://schemas.microsoft.com/office/drawing/2010/main" val="0"/>
+                <a14:useLocalDpi xmlns:a14="http://schemas.microsoft.com/office/drawing/2010/main" xmlns="" val="0"/>
               </a:ext>
             </a:extLst>
           </a:blip>
@@ -17196,7 +17096,7 @@
     </p:spTree>
     <p:extLst>
       <p:ext uri="{BB962C8B-B14F-4D97-AF65-F5344CB8AC3E}">
-        <p14:creationId xmlns:p14="http://schemas.microsoft.com/office/powerpoint/2010/main" val="3397852017"/>
+        <p14:creationId xmlns:p14="http://schemas.microsoft.com/office/powerpoint/2010/main" xmlns="" val="3397852017"/>
       </p:ext>
     </p:extLst>
   </p:cSld>
@@ -17242,7 +17142,7 @@
           <a:blip r:embed="rId2" cstate="print">
             <a:extLst>
               <a:ext uri="{28A0092B-C50C-407E-A947-70E740481C1C}">
-                <a14:useLocalDpi xmlns:a14="http://schemas.microsoft.com/office/drawing/2010/main" val="0"/>
+                <a14:useLocalDpi xmlns:a14="http://schemas.microsoft.com/office/drawing/2010/main" xmlns="" val="0"/>
               </a:ext>
             </a:extLst>
           </a:blip>
@@ -17767,7 +17667,7 @@
     </p:spTree>
     <p:extLst>
       <p:ext uri="{BB962C8B-B14F-4D97-AF65-F5344CB8AC3E}">
-        <p14:creationId xmlns:p14="http://schemas.microsoft.com/office/powerpoint/2010/main" val="116332975"/>
+        <p14:creationId xmlns:p14="http://schemas.microsoft.com/office/powerpoint/2010/main" xmlns="" val="116332975"/>
       </p:ext>
     </p:extLst>
   </p:cSld>
@@ -17813,7 +17713,7 @@
           <a:blip r:embed="rId2" cstate="print">
             <a:extLst>
               <a:ext uri="{28A0092B-C50C-407E-A947-70E740481C1C}">
-                <a14:useLocalDpi xmlns:a14="http://schemas.microsoft.com/office/drawing/2010/main" val="0"/>
+                <a14:useLocalDpi xmlns:a14="http://schemas.microsoft.com/office/drawing/2010/main" xmlns="" val="0"/>
               </a:ext>
             </a:extLst>
           </a:blip>
@@ -18346,7 +18246,7 @@
     </p:spTree>
     <p:extLst>
       <p:ext uri="{BB962C8B-B14F-4D97-AF65-F5344CB8AC3E}">
-        <p14:creationId xmlns:p14="http://schemas.microsoft.com/office/powerpoint/2010/main" val="4155287022"/>
+        <p14:creationId xmlns:p14="http://schemas.microsoft.com/office/powerpoint/2010/main" xmlns="" val="4155287022"/>
       </p:ext>
     </p:extLst>
   </p:cSld>
@@ -18392,7 +18292,7 @@
           <a:blip r:embed="rId2" cstate="print">
             <a:extLst>
               <a:ext uri="{28A0092B-C50C-407E-A947-70E740481C1C}">
-                <a14:useLocalDpi xmlns:a14="http://schemas.microsoft.com/office/drawing/2010/main" val="0"/>
+                <a14:useLocalDpi xmlns:a14="http://schemas.microsoft.com/office/drawing/2010/main" xmlns="" val="0"/>
               </a:ext>
             </a:extLst>
           </a:blip>
@@ -19002,7 +18902,7 @@
     </p:spTree>
     <p:extLst>
       <p:ext uri="{BB962C8B-B14F-4D97-AF65-F5344CB8AC3E}">
-        <p14:creationId xmlns:p14="http://schemas.microsoft.com/office/powerpoint/2010/main" val="12966277"/>
+        <p14:creationId xmlns:p14="http://schemas.microsoft.com/office/powerpoint/2010/main" xmlns="" val="12966277"/>
       </p:ext>
     </p:extLst>
   </p:cSld>
@@ -19048,7 +18948,7 @@
           <a:blip r:embed="rId2" cstate="print">
             <a:extLst>
               <a:ext uri="{28A0092B-C50C-407E-A947-70E740481C1C}">
-                <a14:useLocalDpi xmlns:a14="http://schemas.microsoft.com/office/drawing/2010/main" val="0"/>
+                <a14:useLocalDpi xmlns:a14="http://schemas.microsoft.com/office/drawing/2010/main" xmlns="" val="0"/>
               </a:ext>
             </a:extLst>
           </a:blip>
@@ -19528,7 +19428,7 @@
     </p:spTree>
     <p:extLst>
       <p:ext uri="{BB962C8B-B14F-4D97-AF65-F5344CB8AC3E}">
-        <p14:creationId xmlns:p14="http://schemas.microsoft.com/office/powerpoint/2010/main" val="4194429178"/>
+        <p14:creationId xmlns:p14="http://schemas.microsoft.com/office/powerpoint/2010/main" xmlns="" val="4194429178"/>
       </p:ext>
     </p:extLst>
   </p:cSld>
